--- a/design_documents/20200331 사이트 구조.pptx
+++ b/design_documents/20200331 사이트 구조.pptx
@@ -263,7 +263,7 @@
           <a:p>
             <a:fld id="{982950E5-A06C-42B7-B5FA-110B72E89937}" type="datetimeFigureOut">
               <a:rPr lang="en-US" smtClean="0"/>
-              <a:t>4/2/2020</a:t>
+              <a:t>4/3/2020</a:t>
             </a:fld>
             <a:endParaRPr lang="en-US"/>
           </a:p>
@@ -463,7 +463,7 @@
           <a:p>
             <a:fld id="{982950E5-A06C-42B7-B5FA-110B72E89937}" type="datetimeFigureOut">
               <a:rPr lang="en-US" smtClean="0"/>
-              <a:t>4/2/2020</a:t>
+              <a:t>4/3/2020</a:t>
             </a:fld>
             <a:endParaRPr lang="en-US"/>
           </a:p>
@@ -673,7 +673,7 @@
           <a:p>
             <a:fld id="{982950E5-A06C-42B7-B5FA-110B72E89937}" type="datetimeFigureOut">
               <a:rPr lang="en-US" smtClean="0"/>
-              <a:t>4/2/2020</a:t>
+              <a:t>4/3/2020</a:t>
             </a:fld>
             <a:endParaRPr lang="en-US"/>
           </a:p>
@@ -873,7 +873,7 @@
           <a:p>
             <a:fld id="{982950E5-A06C-42B7-B5FA-110B72E89937}" type="datetimeFigureOut">
               <a:rPr lang="en-US" smtClean="0"/>
-              <a:t>4/2/2020</a:t>
+              <a:t>4/3/2020</a:t>
             </a:fld>
             <a:endParaRPr lang="en-US"/>
           </a:p>
@@ -1149,7 +1149,7 @@
           <a:p>
             <a:fld id="{982950E5-A06C-42B7-B5FA-110B72E89937}" type="datetimeFigureOut">
               <a:rPr lang="en-US" smtClean="0"/>
-              <a:t>4/2/2020</a:t>
+              <a:t>4/3/2020</a:t>
             </a:fld>
             <a:endParaRPr lang="en-US"/>
           </a:p>
@@ -1417,7 +1417,7 @@
           <a:p>
             <a:fld id="{982950E5-A06C-42B7-B5FA-110B72E89937}" type="datetimeFigureOut">
               <a:rPr lang="en-US" smtClean="0"/>
-              <a:t>4/2/2020</a:t>
+              <a:t>4/3/2020</a:t>
             </a:fld>
             <a:endParaRPr lang="en-US"/>
           </a:p>
@@ -1832,7 +1832,7 @@
           <a:p>
             <a:fld id="{982950E5-A06C-42B7-B5FA-110B72E89937}" type="datetimeFigureOut">
               <a:rPr lang="en-US" smtClean="0"/>
-              <a:t>4/2/2020</a:t>
+              <a:t>4/3/2020</a:t>
             </a:fld>
             <a:endParaRPr lang="en-US"/>
           </a:p>
@@ -1974,7 +1974,7 @@
           <a:p>
             <a:fld id="{982950E5-A06C-42B7-B5FA-110B72E89937}" type="datetimeFigureOut">
               <a:rPr lang="en-US" smtClean="0"/>
-              <a:t>4/2/2020</a:t>
+              <a:t>4/3/2020</a:t>
             </a:fld>
             <a:endParaRPr lang="en-US"/>
           </a:p>
@@ -2087,7 +2087,7 @@
           <a:p>
             <a:fld id="{982950E5-A06C-42B7-B5FA-110B72E89937}" type="datetimeFigureOut">
               <a:rPr lang="en-US" smtClean="0"/>
-              <a:t>4/2/2020</a:t>
+              <a:t>4/3/2020</a:t>
             </a:fld>
             <a:endParaRPr lang="en-US"/>
           </a:p>
@@ -2400,7 +2400,7 @@
           <a:p>
             <a:fld id="{982950E5-A06C-42B7-B5FA-110B72E89937}" type="datetimeFigureOut">
               <a:rPr lang="en-US" smtClean="0"/>
-              <a:t>4/2/2020</a:t>
+              <a:t>4/3/2020</a:t>
             </a:fld>
             <a:endParaRPr lang="en-US"/>
           </a:p>
@@ -2689,7 +2689,7 @@
           <a:p>
             <a:fld id="{982950E5-A06C-42B7-B5FA-110B72E89937}" type="datetimeFigureOut">
               <a:rPr lang="en-US" smtClean="0"/>
-              <a:t>4/2/2020</a:t>
+              <a:t>4/3/2020</a:t>
             </a:fld>
             <a:endParaRPr lang="en-US"/>
           </a:p>
@@ -2932,7 +2932,7 @@
           <a:p>
             <a:fld id="{982950E5-A06C-42B7-B5FA-110B72E89937}" type="datetimeFigureOut">
               <a:rPr lang="en-US" smtClean="0"/>
-              <a:t>4/2/2020</a:t>
+              <a:t>4/3/2020</a:t>
             </a:fld>
             <a:endParaRPr lang="en-US"/>
           </a:p>
@@ -3417,7 +3417,7 @@
 </file>
 
 <file path=ppt/slides/slide2.xml><?xml version="1.0" encoding="utf-8"?>
-<p:sld xmlns:a="http://schemas.openxmlformats.org/drawingml/2006/main" xmlns:r="http://schemas.openxmlformats.org/officeDocument/2006/relationships" xmlns:p="http://schemas.openxmlformats.org/presentationml/2006/main">
+<p:sld xmlns:a="http://schemas.openxmlformats.org/drawingml/2006/main" xmlns:r="http://schemas.openxmlformats.org/officeDocument/2006/relationships" xmlns:p="http://schemas.openxmlformats.org/presentationml/2006/main" show="0">
   <p:cSld>
     <p:spTree>
       <p:nvGrpSpPr>
